--- a/inicepg/banner.pptx
+++ b/inicepg/banner.pptx
@@ -106,7 +106,7 @@
   </p:defaultTextStyle>
   <p:extLst>
     <p:ext uri="{EFAFB233-063F-42B5-8137-9DF3F51BA10A}">
-      <p15:sldGuideLst xmlns:p15="http://schemas.microsoft.com/office/powerpoint/2012/main" xmlns=""/>
+      <p15:sldGuideLst xmlns="" xmlns:p15="http://schemas.microsoft.com/office/powerpoint/2012/main"/>
     </p:ext>
   </p:extLst>
 </p:presentation>
@@ -285,7 +285,7 @@
           <a:p>
             <a:fld id="{D11404B7-12DE-430E-BE52-027800297816}" type="slidenum">
               <a:rPr lang="pt-BR" smtClean="0"/>
-              <a:t>‹#›</a:t>
+              <a:t>‹nº›</a:t>
             </a:fld>
             <a:endParaRPr lang="pt-BR"/>
           </a:p>
@@ -455,7 +455,7 @@
           <a:p>
             <a:fld id="{D11404B7-12DE-430E-BE52-027800297816}" type="slidenum">
               <a:rPr lang="pt-BR" smtClean="0"/>
-              <a:t>‹#›</a:t>
+              <a:t>‹nº›</a:t>
             </a:fld>
             <a:endParaRPr lang="pt-BR"/>
           </a:p>
@@ -635,7 +635,7 @@
           <a:p>
             <a:fld id="{D11404B7-12DE-430E-BE52-027800297816}" type="slidenum">
               <a:rPr lang="pt-BR" smtClean="0"/>
-              <a:t>‹#›</a:t>
+              <a:t>‹nº›</a:t>
             </a:fld>
             <a:endParaRPr lang="pt-BR"/>
           </a:p>
@@ -805,7 +805,7 @@
           <a:p>
             <a:fld id="{D11404B7-12DE-430E-BE52-027800297816}" type="slidenum">
               <a:rPr lang="pt-BR" smtClean="0"/>
-              <a:t>‹#›</a:t>
+              <a:t>‹nº›</a:t>
             </a:fld>
             <a:endParaRPr lang="pt-BR"/>
           </a:p>
@@ -1049,7 +1049,7 @@
           <a:p>
             <a:fld id="{D11404B7-12DE-430E-BE52-027800297816}" type="slidenum">
               <a:rPr lang="pt-BR" smtClean="0"/>
-              <a:t>‹#›</a:t>
+              <a:t>‹nº›</a:t>
             </a:fld>
             <a:endParaRPr lang="pt-BR"/>
           </a:p>
@@ -1281,7 +1281,7 @@
           <a:p>
             <a:fld id="{D11404B7-12DE-430E-BE52-027800297816}" type="slidenum">
               <a:rPr lang="pt-BR" smtClean="0"/>
-              <a:t>‹#›</a:t>
+              <a:t>‹nº›</a:t>
             </a:fld>
             <a:endParaRPr lang="pt-BR"/>
           </a:p>
@@ -1648,7 +1648,7 @@
           <a:p>
             <a:fld id="{D11404B7-12DE-430E-BE52-027800297816}" type="slidenum">
               <a:rPr lang="pt-BR" smtClean="0"/>
-              <a:t>‹#›</a:t>
+              <a:t>‹nº›</a:t>
             </a:fld>
             <a:endParaRPr lang="pt-BR"/>
           </a:p>
@@ -1766,7 +1766,7 @@
           <a:p>
             <a:fld id="{D11404B7-12DE-430E-BE52-027800297816}" type="slidenum">
               <a:rPr lang="pt-BR" smtClean="0"/>
-              <a:t>‹#›</a:t>
+              <a:t>‹nº›</a:t>
             </a:fld>
             <a:endParaRPr lang="pt-BR"/>
           </a:p>
@@ -1861,7 +1861,7 @@
           <a:p>
             <a:fld id="{D11404B7-12DE-430E-BE52-027800297816}" type="slidenum">
               <a:rPr lang="pt-BR" smtClean="0"/>
-              <a:t>‹#›</a:t>
+              <a:t>‹nº›</a:t>
             </a:fld>
             <a:endParaRPr lang="pt-BR"/>
           </a:p>
@@ -2138,7 +2138,7 @@
           <a:p>
             <a:fld id="{D11404B7-12DE-430E-BE52-027800297816}" type="slidenum">
               <a:rPr lang="pt-BR" smtClean="0"/>
-              <a:t>‹#›</a:t>
+              <a:t>‹nº›</a:t>
             </a:fld>
             <a:endParaRPr lang="pt-BR"/>
           </a:p>
@@ -2395,7 +2395,7 @@
           <a:p>
             <a:fld id="{D11404B7-12DE-430E-BE52-027800297816}" type="slidenum">
               <a:rPr lang="pt-BR" smtClean="0"/>
-              <a:t>‹#›</a:t>
+              <a:t>‹nº›</a:t>
             </a:fld>
             <a:endParaRPr lang="pt-BR"/>
           </a:p>
@@ -2644,7 +2644,7 @@
           <a:p>
             <a:fld id="{D11404B7-12DE-430E-BE52-027800297816}" type="slidenum">
               <a:rPr lang="pt-BR" smtClean="0"/>
-              <a:t>‹#›</a:t>
+              <a:t>‹nº›</a:t>
             </a:fld>
             <a:endParaRPr lang="pt-BR"/>
           </a:p>
@@ -3514,14 +3514,6 @@
               </a:rPr>
               <a:t>TECNOLOGIA ETHERVOLTZ PARA ELEIÇÕES AUDITÁVEIS</a:t>
             </a:r>
-            <a:endParaRPr lang="pt-BR" altLang="pt-BR" sz="9600" b="1" dirty="0" smtClean="0">
-              <a:solidFill>
-                <a:schemeClr val="accent6">
-                  <a:lumMod val="50000"/>
-                </a:schemeClr>
-              </a:solidFill>
-              <a:latin typeface="Calibri" panose="020F0502020204030204" pitchFamily="34" charset="0"/>
-            </a:endParaRPr>
           </a:p>
         </p:txBody>
       </p:sp>
@@ -4105,12 +4097,6 @@
               </a:rPr>
               <a:t> Ramos da Silva</a:t>
             </a:r>
-            <a:endParaRPr lang="en-GB" altLang="pt-BR" sz="3756" b="1" i="1" dirty="0" smtClean="0">
-              <a:solidFill>
-                <a:srgbClr val="000000"/>
-              </a:solidFill>
-              <a:latin typeface="Verdana" panose="020B0604030504040204" pitchFamily="34" charset="0"/>
-            </a:endParaRPr>
           </a:p>
           <a:p>
             <a:pPr algn="ctr" defTabSz="593294">
@@ -4567,13 +4553,6 @@
               </a:rPr>
               <a:t>INTRODUÇÃO</a:t>
             </a:r>
-            <a:endParaRPr lang="pt-BR" altLang="pt-BR" sz="4174" b="1" dirty="0" smtClean="0">
-              <a:solidFill>
-                <a:srgbClr val="000000"/>
-              </a:solidFill>
-              <a:latin typeface="Verdana" panose="020B0604030504040204" pitchFamily="34" charset="0"/>
-              <a:cs typeface="Times New Roman" panose="02020603050405020304" pitchFamily="18" charset="0"/>
-            </a:endParaRPr>
           </a:p>
         </p:txBody>
       </p:sp>
@@ -4987,7 +4966,7 @@
         <p:spPr bwMode="auto">
           <a:xfrm>
             <a:off x="2214563" y="10469563"/>
-            <a:ext cx="13268325" cy="5920710"/>
+            <a:ext cx="13268325" cy="5664230"/>
           </a:xfrm>
           <a:prstGeom prst="rect">
             <a:avLst/>
@@ -5365,7 +5344,7 @@
                 </a:solidFill>
                 <a:latin typeface="Calibri" panose="020F0502020204030204" pitchFamily="34" charset="0"/>
               </a:rPr>
-              <a:t>Nos sistemas de votação atuais de primeira, segunda e terceira </a:t>
+              <a:t>Nos sistemas de votação </a:t>
             </a:r>
             <a:r>
               <a:rPr lang="pt-BR" altLang="pt-BR" sz="4000" dirty="0" smtClean="0">
@@ -5374,7 +5353,34 @@
                 </a:solidFill>
                 <a:latin typeface="Calibri" panose="020F0502020204030204" pitchFamily="34" charset="0"/>
               </a:rPr>
-              <a:t>geração, a centralização das evidências no administrador  culmina em fraudes e </a:t>
+              <a:t>atuais, a </a:t>
+            </a:r>
+            <a:r>
+              <a:rPr lang="pt-BR" altLang="pt-BR" sz="4000" dirty="0" smtClean="0">
+                <a:solidFill>
+                  <a:srgbClr val="000000"/>
+                </a:solidFill>
+                <a:latin typeface="Calibri" panose="020F0502020204030204" pitchFamily="34" charset="0"/>
+              </a:rPr>
+              <a:t>centralização das evidências </a:t>
+            </a:r>
+            <a:r>
+              <a:rPr lang="pt-BR" altLang="pt-BR" sz="4000" dirty="0" smtClean="0">
+                <a:solidFill>
+                  <a:srgbClr val="000000"/>
+                </a:solidFill>
+                <a:latin typeface="Calibri" panose="020F0502020204030204" pitchFamily="34" charset="0"/>
+              </a:rPr>
+              <a:t>nas mãos do  administrador </a:t>
+            </a:r>
+            <a:r>
+              <a:rPr lang="pt-BR" altLang="pt-BR" sz="4000" dirty="0" smtClean="0">
+                <a:solidFill>
+                  <a:srgbClr val="000000"/>
+                </a:solidFill>
+                <a:latin typeface="Calibri" panose="020F0502020204030204" pitchFamily="34" charset="0"/>
+              </a:rPr>
+              <a:t>culmina em fraudes e </a:t>
             </a:r>
             <a:r>
               <a:rPr lang="pt-BR" altLang="pt-BR" sz="4000" dirty="0">
@@ -5392,7 +5398,16 @@
                 </a:solidFill>
                 <a:latin typeface="Calibri" panose="020F0502020204030204" pitchFamily="34" charset="0"/>
               </a:rPr>
-              <a:t>além de  dificultar </a:t>
+              <a:t>além de </a:t>
+            </a:r>
+            <a:r>
+              <a:rPr lang="pt-BR" altLang="pt-BR" sz="4000" dirty="0" smtClean="0">
+                <a:solidFill>
+                  <a:srgbClr val="000000"/>
+                </a:solidFill>
+                <a:latin typeface="Calibri" panose="020F0502020204030204" pitchFamily="34" charset="0"/>
+              </a:rPr>
+              <a:t>dificultar </a:t>
             </a:r>
             <a:r>
               <a:rPr lang="pt-BR" altLang="pt-BR" sz="4000" dirty="0">
@@ -5410,30 +5425,17 @@
                 </a:solidFill>
                 <a:latin typeface="Calibri" panose="020F0502020204030204" pitchFamily="34" charset="0"/>
               </a:rPr>
-              <a:t>[1].  </a:t>
-            </a:r>
-            <a:endParaRPr lang="pt-BR" altLang="pt-BR" sz="4000" dirty="0">
-              <a:solidFill>
-                <a:srgbClr val="000000"/>
-              </a:solidFill>
-              <a:latin typeface="Calibri" panose="020F0502020204030204" pitchFamily="34" charset="0"/>
-            </a:endParaRPr>
-          </a:p>
-          <a:p>
-            <a:pPr algn="just">
-              <a:lnSpc>
-                <a:spcPct val="150000"/>
-              </a:lnSpc>
-              <a:spcBef>
-                <a:spcPts val="1975"/>
-              </a:spcBef>
-              <a:buClr>
-                <a:srgbClr val="000000"/>
-              </a:buClr>
-              <a:buSzPct val="100000"/>
-              <a:buFont typeface="Times New Roman" panose="02020603050405020304" pitchFamily="18" charset="0"/>
-              <a:buNone/>
-            </a:pPr>
+              <a:t>[1]. </a:t>
+            </a:r>
+            <a:r>
+              <a:rPr lang="pt-BR" altLang="pt-BR" sz="4000" dirty="0" smtClean="0">
+                <a:solidFill>
+                  <a:srgbClr val="000000"/>
+                </a:solidFill>
+                <a:latin typeface="Calibri" panose="020F0502020204030204" pitchFamily="34" charset="0"/>
+              </a:rPr>
+              <a:t>Este </a:t>
+            </a:r>
             <a:r>
               <a:rPr lang="pt-BR" altLang="pt-BR" sz="4000" dirty="0">
                 <a:solidFill>
@@ -5441,7 +5443,25 @@
                 </a:solidFill>
                 <a:latin typeface="Calibri" panose="020F0502020204030204" pitchFamily="34" charset="0"/>
               </a:rPr>
-              <a:t>Este trabalho apresenta um sistema de votação que transforma o voto do eleitor em uma criptomoeda batizada de VoltToken para descentralizar e dar auditabilidade ao processo eleitoral.</a:t>
+              <a:t>trabalho apresenta um sistema de </a:t>
+            </a:r>
+            <a:r>
+              <a:rPr lang="pt-BR" altLang="pt-BR" sz="4000" dirty="0" smtClean="0">
+                <a:solidFill>
+                  <a:srgbClr val="000000"/>
+                </a:solidFill>
+                <a:latin typeface="Calibri" panose="020F0502020204030204" pitchFamily="34" charset="0"/>
+              </a:rPr>
+              <a:t>votação independente de software </a:t>
+            </a:r>
+            <a:r>
+              <a:rPr lang="pt-BR" altLang="pt-BR" sz="4000" dirty="0">
+                <a:solidFill>
+                  <a:srgbClr val="000000"/>
+                </a:solidFill>
+                <a:latin typeface="Calibri" panose="020F0502020204030204" pitchFamily="34" charset="0"/>
+              </a:rPr>
+              <a:t>que transforma o voto do eleitor em uma criptomoeda batizada de VoltToken para descentralizar e dar auditabilidade ao processo eleitoral.</a:t>
             </a:r>
           </a:p>
         </p:txBody>
@@ -5844,7 +5864,25 @@
                 </a:solidFill>
                 <a:latin typeface="Calibri" panose="020F0502020204030204" pitchFamily="34" charset="0"/>
               </a:rPr>
-              <a:t>utiliza o computador mundial Ethereum [2] formado pelos </a:t>
+              <a:t>utiliza o computador mundial </a:t>
+            </a:r>
+            <a:r>
+              <a:rPr lang="pt-BR" altLang="pt-BR" sz="4000" i="1" dirty="0" smtClean="0">
+                <a:solidFill>
+                  <a:srgbClr val="000000"/>
+                </a:solidFill>
+                <a:latin typeface="Calibri" panose="020F0502020204030204" pitchFamily="34" charset="0"/>
+              </a:rPr>
+              <a:t>Ethereum</a:t>
+            </a:r>
+            <a:r>
+              <a:rPr lang="pt-BR" altLang="pt-BR" sz="4000" dirty="0" smtClean="0">
+                <a:solidFill>
+                  <a:srgbClr val="000000"/>
+                </a:solidFill>
+                <a:latin typeface="Calibri" panose="020F0502020204030204" pitchFamily="34" charset="0"/>
+              </a:rPr>
+              <a:t> [2] formado pelos </a:t>
             </a:r>
             <a:r>
               <a:rPr lang="pt-BR" altLang="pt-BR" sz="4000" dirty="0">
@@ -7503,7 +7541,25 @@
                 </a:solidFill>
                 <a:latin typeface="Calibri" panose="020F0502020204030204" pitchFamily="34" charset="0"/>
               </a:rPr>
-              <a:t>Para a simulação de uma eleição real, a aplicação foi hospedada na rede de testes Rinkeby. Mais informações [3].</a:t>
+              <a:t>Para a simulação de uma eleição real, a aplicação foi hospedada na rede de testes </a:t>
+            </a:r>
+            <a:r>
+              <a:rPr lang="pt-BR" altLang="pt-BR" sz="4000" i="1" dirty="0" smtClean="0">
+                <a:solidFill>
+                  <a:srgbClr val="000000"/>
+                </a:solidFill>
+                <a:latin typeface="Calibri" panose="020F0502020204030204" pitchFamily="34" charset="0"/>
+              </a:rPr>
+              <a:t>Rinkeby</a:t>
+            </a:r>
+            <a:r>
+              <a:rPr lang="pt-BR" altLang="pt-BR" sz="4000" dirty="0" smtClean="0">
+                <a:solidFill>
+                  <a:srgbClr val="000000"/>
+                </a:solidFill>
+                <a:latin typeface="Calibri" panose="020F0502020204030204" pitchFamily="34" charset="0"/>
+              </a:rPr>
+              <a:t>. Mais informações [3].</a:t>
             </a:r>
             <a:endParaRPr lang="en-GB" altLang="pt-BR" sz="3600" dirty="0">
               <a:solidFill>
@@ -7524,8 +7580,8 @@
         </p:nvSpPr>
         <p:spPr bwMode="auto">
           <a:xfrm>
-            <a:off x="17278350" y="27361876"/>
-            <a:ext cx="13192125" cy="3817570"/>
+            <a:off x="17278350" y="28244744"/>
+            <a:ext cx="13192125" cy="2894241"/>
           </a:xfrm>
           <a:prstGeom prst="rect">
             <a:avLst/>
@@ -7921,7 +7977,61 @@
                 </a:solidFill>
                 <a:latin typeface="Calibri" panose="020F0502020204030204" pitchFamily="34" charset="0"/>
               </a:rPr>
-              <a:t>o sistema permite que auditorias possam ser realizadas por qualquer indivíduo com acesso a internet, sem a necessidade de envolvimento de uma autoridade central.</a:t>
+              <a:t>o sistema </a:t>
+            </a:r>
+            <a:r>
+              <a:rPr lang="pt-BR" altLang="pt-BR" sz="4000" dirty="0" smtClean="0">
+                <a:solidFill>
+                  <a:srgbClr val="000000"/>
+                </a:solidFill>
+                <a:latin typeface="Calibri" panose="020F0502020204030204" pitchFamily="34" charset="0"/>
+              </a:rPr>
+              <a:t>permite </a:t>
+            </a:r>
+            <a:r>
+              <a:rPr lang="pt-BR" altLang="pt-BR" sz="4000" dirty="0">
+                <a:solidFill>
+                  <a:srgbClr val="000000"/>
+                </a:solidFill>
+                <a:latin typeface="Calibri" panose="020F0502020204030204" pitchFamily="34" charset="0"/>
+              </a:rPr>
+              <a:t>auditorias </a:t>
+            </a:r>
+            <a:r>
+              <a:rPr lang="pt-BR" altLang="pt-BR" sz="4000" dirty="0" smtClean="0">
+                <a:solidFill>
+                  <a:srgbClr val="000000"/>
+                </a:solidFill>
+                <a:latin typeface="Calibri" panose="020F0502020204030204" pitchFamily="34" charset="0"/>
+              </a:rPr>
+              <a:t>por </a:t>
+            </a:r>
+            <a:r>
+              <a:rPr lang="pt-BR" altLang="pt-BR" sz="4000" dirty="0">
+                <a:solidFill>
+                  <a:srgbClr val="000000"/>
+                </a:solidFill>
+                <a:latin typeface="Calibri" panose="020F0502020204030204" pitchFamily="34" charset="0"/>
+              </a:rPr>
+              <a:t>qualquer indivíduo com acesso a internet, sem </a:t>
+            </a:r>
+            <a:r>
+              <a:rPr lang="pt-BR" altLang="pt-BR" sz="4000" dirty="0" smtClean="0">
+                <a:solidFill>
+                  <a:srgbClr val="000000"/>
+                </a:solidFill>
+                <a:latin typeface="Calibri" panose="020F0502020204030204" pitchFamily="34" charset="0"/>
+              </a:rPr>
+              <a:t>o envolvimento </a:t>
+            </a:r>
+            <a:r>
+              <a:rPr lang="pt-BR" altLang="pt-BR" sz="4000" dirty="0">
+                <a:solidFill>
+                  <a:srgbClr val="000000"/>
+                </a:solidFill>
+                <a:latin typeface="Calibri" panose="020F0502020204030204" pitchFamily="34" charset="0"/>
+              </a:rPr>
+              <a:t>de uma autoridade central.</a:t>
             </a:r>
             <a:endParaRPr lang="en-GB" altLang="pt-BR" sz="4000" dirty="0">
               <a:solidFill>
@@ -7942,7 +8052,7 @@
         </p:nvSpPr>
         <p:spPr bwMode="auto">
           <a:xfrm>
-            <a:off x="17278350" y="26604638"/>
+            <a:off x="17278350" y="27487506"/>
             <a:ext cx="13195300" cy="955675"/>
           </a:xfrm>
           <a:prstGeom prst="rect">
@@ -8578,8 +8688,8 @@
           </p:nvSpPr>
           <p:spPr>
             <a:xfrm>
-              <a:off x="20410248" y="13058978"/>
-              <a:ext cx="7889341" cy="584775"/>
+              <a:off x="19766329" y="13058978"/>
+              <a:ext cx="9177227" cy="891106"/>
             </a:xfrm>
             <a:prstGeom prst="rect">
               <a:avLst/>
@@ -8609,7 +8719,7 @@
                   </a:solidFill>
                   <a:latin typeface="Calibri" panose="020F0502020204030204" pitchFamily="34" charset="0"/>
                 </a:rPr>
-                <a:t>FIGURA 1 </a:t>
+                <a:t>FIGURA </a:t>
               </a:r>
               <a:r>
                 <a:rPr lang="en-GB" altLang="pt-BR" sz="3200" dirty="0" smtClean="0">
@@ -8618,7 +8728,7 @@
                   </a:solidFill>
                   <a:latin typeface="Calibri" panose="020F0502020204030204" pitchFamily="34" charset="0"/>
                 </a:rPr>
-                <a:t>- </a:t>
+                <a:t>2 – </a:t>
               </a:r>
               <a:r>
                 <a:rPr lang="en-GB" altLang="pt-BR" sz="3200" dirty="0" err="1" smtClean="0">
@@ -8627,25 +8737,7 @@
                   </a:solidFill>
                   <a:latin typeface="Calibri" panose="020F0502020204030204" pitchFamily="34" charset="0"/>
                 </a:rPr>
-                <a:t>Ilustração</a:t>
-              </a:r>
-              <a:r>
-                <a:rPr lang="en-GB" altLang="pt-BR" sz="3200" dirty="0" smtClean="0">
-                  <a:solidFill>
-                    <a:srgbClr val="000000"/>
-                  </a:solidFill>
-                  <a:latin typeface="Calibri" panose="020F0502020204030204" pitchFamily="34" charset="0"/>
-                </a:rPr>
-                <a:t> com </a:t>
-              </a:r>
-              <a:r>
-                <a:rPr lang="en-GB" altLang="pt-BR" sz="3200" dirty="0" err="1" smtClean="0">
-                  <a:solidFill>
-                    <a:srgbClr val="000000"/>
-                  </a:solidFill>
-                  <a:latin typeface="Calibri" panose="020F0502020204030204" pitchFamily="34" charset="0"/>
-                </a:rPr>
-                <a:t>prova</a:t>
+                <a:t>Provas</a:t>
               </a:r>
               <a:r>
                 <a:rPr lang="en-GB" altLang="pt-BR" sz="3200" dirty="0" smtClean="0">
@@ -8663,7 +8755,7 @@
                   </a:solidFill>
                   <a:latin typeface="Calibri" panose="020F0502020204030204" pitchFamily="34" charset="0"/>
                 </a:rPr>
-                <a:t>física</a:t>
+                <a:t>Físicas</a:t>
               </a:r>
               <a:r>
                 <a:rPr lang="en-GB" altLang="pt-BR" sz="3200" dirty="0" smtClean="0">
@@ -8672,7 +8764,16 @@
                   </a:solidFill>
                   <a:latin typeface="Calibri" panose="020F0502020204030204" pitchFamily="34" charset="0"/>
                 </a:rPr>
-                <a:t> e digital</a:t>
+                <a:t> e </a:t>
+              </a:r>
+              <a:r>
+                <a:rPr lang="en-GB" altLang="pt-BR" sz="3200" dirty="0" err="1" smtClean="0">
+                  <a:solidFill>
+                    <a:srgbClr val="000000"/>
+                  </a:solidFill>
+                  <a:latin typeface="Calibri" panose="020F0502020204030204" pitchFamily="34" charset="0"/>
+                </a:rPr>
+                <a:t>Digitais</a:t>
               </a:r>
               <a:endParaRPr lang="en-GB" altLang="pt-BR" sz="3200" dirty="0">
                 <a:solidFill>
@@ -10056,13 +10157,40 @@
               <a:t>A </a:t>
             </a:r>
             <a:r>
+              <a:rPr lang="pt-BR" altLang="pt-BR" sz="4000" dirty="0" smtClean="0">
+                <a:solidFill>
+                  <a:srgbClr val="000000"/>
+                </a:solidFill>
+                <a:latin typeface="Calibri" panose="020F0502020204030204" pitchFamily="34" charset="0"/>
+              </a:rPr>
+              <a:t>Figura 1 </a:t>
+            </a:r>
+            <a:r>
               <a:rPr lang="pt-BR" altLang="pt-BR" sz="4000" dirty="0">
                 <a:solidFill>
                   <a:srgbClr val="000000"/>
                 </a:solidFill>
                 <a:latin typeface="Calibri" panose="020F0502020204030204" pitchFamily="34" charset="0"/>
               </a:rPr>
-              <a:t>Figura 1 mostra a arquitetura do sistema EtherVoltz, destacando nas setas os destinos das provas geradas no instante do voto. O backend do sistema é resistente a ataques de negação de serviço distribuídos e possui garantia de uptime enquanto houverem nós e mineradores ativos na rede</a:t>
+              <a:t>mostra a arquitetura do sistema EtherVoltz, destacando nas setas os destinos das provas geradas no instante do voto. O </a:t>
+            </a:r>
+            <a:r>
+              <a:rPr lang="pt-BR" altLang="pt-BR" sz="4000" i="1" dirty="0">
+                <a:solidFill>
+                  <a:srgbClr val="000000"/>
+                </a:solidFill>
+                <a:latin typeface="Calibri" panose="020F0502020204030204" pitchFamily="34" charset="0"/>
+              </a:rPr>
+              <a:t>backend</a:t>
+            </a:r>
+            <a:r>
+              <a:rPr lang="pt-BR" altLang="pt-BR" sz="4000" dirty="0">
+                <a:solidFill>
+                  <a:srgbClr val="000000"/>
+                </a:solidFill>
+                <a:latin typeface="Calibri" panose="020F0502020204030204" pitchFamily="34" charset="0"/>
+              </a:rPr>
+              <a:t> do sistema é resistente a ataques de negação de serviço distribuídos e possui garantia de uptime enquanto houverem nós e mineradores ativos na rede</a:t>
             </a:r>
             <a:endParaRPr lang="en-GB" altLang="pt-BR" sz="3600" dirty="0">
               <a:solidFill>
@@ -10505,8 +10633,8 @@
         </p:nvSpPr>
         <p:spPr>
           <a:xfrm>
-            <a:off x="5676944" y="23780726"/>
-            <a:ext cx="6237199" cy="462315"/>
+            <a:off x="4979954" y="23780726"/>
+            <a:ext cx="7631192" cy="584775"/>
           </a:xfrm>
           <a:prstGeom prst="rect">
             <a:avLst/>
@@ -10545,7 +10673,7 @@
                 </a:solidFill>
                 <a:latin typeface="Calibri" panose="020F0502020204030204" pitchFamily="34" charset="0"/>
               </a:rPr>
-              <a:t>- </a:t>
+              <a:t>– </a:t>
             </a:r>
             <a:r>
               <a:rPr lang="en-GB" altLang="pt-BR" sz="3200" dirty="0" err="1" smtClean="0">
@@ -10554,7 +10682,7 @@
                 </a:solidFill>
                 <a:latin typeface="Calibri" panose="020F0502020204030204" pitchFamily="34" charset="0"/>
               </a:rPr>
-              <a:t>Ilustração</a:t>
+              <a:t>Destino</a:t>
             </a:r>
             <a:r>
               <a:rPr lang="en-GB" altLang="pt-BR" sz="3200" dirty="0" smtClean="0">
@@ -10563,7 +10691,7 @@
                 </a:solidFill>
                 <a:latin typeface="Calibri" panose="020F0502020204030204" pitchFamily="34" charset="0"/>
               </a:rPr>
-              <a:t> com </a:t>
+              <a:t> das </a:t>
             </a:r>
             <a:r>
               <a:rPr lang="en-GB" altLang="pt-BR" sz="3200" dirty="0" err="1" smtClean="0">
@@ -10572,7 +10700,7 @@
                 </a:solidFill>
                 <a:latin typeface="Calibri" panose="020F0502020204030204" pitchFamily="34" charset="0"/>
               </a:rPr>
-              <a:t>prova</a:t>
+              <a:t>Provas</a:t>
             </a:r>
             <a:r>
               <a:rPr lang="en-GB" altLang="pt-BR" sz="3200" dirty="0" smtClean="0">
@@ -10581,7 +10709,7 @@
                 </a:solidFill>
                 <a:latin typeface="Calibri" panose="020F0502020204030204" pitchFamily="34" charset="0"/>
               </a:rPr>
-              <a:t> </a:t>
+              <a:t> no </a:t>
             </a:r>
             <a:r>
               <a:rPr lang="en-GB" altLang="pt-BR" sz="3200" dirty="0" err="1" smtClean="0">
@@ -10590,16 +10718,7 @@
                 </a:solidFill>
                 <a:latin typeface="Calibri" panose="020F0502020204030204" pitchFamily="34" charset="0"/>
               </a:rPr>
-              <a:t>física</a:t>
-            </a:r>
-            <a:r>
-              <a:rPr lang="en-GB" altLang="pt-BR" sz="3200" dirty="0" smtClean="0">
-                <a:solidFill>
-                  <a:srgbClr val="000000"/>
-                </a:solidFill>
-                <a:latin typeface="Calibri" panose="020F0502020204030204" pitchFamily="34" charset="0"/>
-              </a:rPr>
-              <a:t> e digital</a:t>
+              <a:t>EtherVoltz</a:t>
             </a:r>
             <a:endParaRPr lang="en-GB" altLang="pt-BR" sz="3200" dirty="0">
               <a:solidFill>
@@ -10619,13 +10738,13 @@
           <p:nvPr>
             <p:extLst>
               <p:ext uri="{D42A27DB-BD31-4B8C-83A1-F6EECF244321}">
-                <p14:modId xmlns:p14="http://schemas.microsoft.com/office/powerpoint/2010/main" val="3194187711"/>
+                <p14:modId xmlns:p14="http://schemas.microsoft.com/office/powerpoint/2010/main" val="1457251256"/>
               </p:ext>
             </p:extLst>
           </p:nvPr>
         </p:nvGraphicFramePr>
         <p:xfrm>
-          <a:off x="17305338" y="21756413"/>
+          <a:off x="17305338" y="22260909"/>
           <a:ext cx="13132810" cy="3652988"/>
         </p:xfrm>
         <a:graphic>
@@ -10635,8 +10754,8 @@
                 <a:tableStyleId>{2A488322-F2BA-4B5B-9748-0D474271808F}</a:tableStyleId>
               </a:tblPr>
               <a:tblGrid>
-                <a:gridCol w="3117107"/>
-                <a:gridCol w="10015703"/>
+                <a:gridCol w="2811462"/>
+                <a:gridCol w="10321348"/>
               </a:tblGrid>
               <a:tr h="388043">
                 <a:tc>
@@ -10837,12 +10956,12 @@
                         </a:spcAft>
                       </a:pPr>
                       <a:r>
-                        <a:rPr lang="pt-BR" sz="3600">
+                        <a:rPr lang="pt-BR" sz="3600" dirty="0">
                           <a:effectLst/>
                         </a:rPr>
                         <a:t>0x063407a72493c8058b415f50076bc990c3927958</a:t>
                       </a:r>
-                      <a:endParaRPr lang="en-US" sz="3600">
+                      <a:endParaRPr lang="en-US" sz="3600" dirty="0">
                         <a:effectLst/>
                         <a:latin typeface="Times New Roman"/>
                         <a:ea typeface="Times New Roman"/>
@@ -10925,12 +11044,12 @@
                         </a:spcAft>
                       </a:pPr>
                       <a:r>
-                        <a:rPr lang="pt-BR" sz="3600">
+                        <a:rPr lang="pt-BR" sz="3600" dirty="0">
                           <a:effectLst/>
                         </a:rPr>
                         <a:t>Contrato</a:t>
                       </a:r>
-                      <a:endParaRPr lang="en-US" sz="3600">
+                      <a:endParaRPr lang="en-US" sz="3600" dirty="0">
                         <a:effectLst/>
                         <a:latin typeface="Times New Roman"/>
                         <a:ea typeface="Times New Roman"/>
@@ -10982,7 +11101,7 @@
         </p:nvSpPr>
         <p:spPr bwMode="auto">
           <a:xfrm>
-            <a:off x="19968070" y="25410001"/>
+            <a:off x="19968070" y="26166745"/>
             <a:ext cx="8596714" cy="678249"/>
           </a:xfrm>
           <a:prstGeom prst="rect">
@@ -11413,7 +11532,7 @@
         </p:nvSpPr>
         <p:spPr>
           <a:xfrm>
-            <a:off x="19645081" y="20995673"/>
+            <a:off x="19645081" y="21247921"/>
             <a:ext cx="8795613" cy="584775"/>
           </a:xfrm>
           <a:prstGeom prst="rect">
@@ -11453,25 +11572,7 @@
                 </a:solidFill>
                 <a:latin typeface="Calibri" panose="020F0502020204030204" pitchFamily="34" charset="0"/>
               </a:rPr>
-              <a:t> </a:t>
-            </a:r>
-            <a:r>
-              <a:rPr lang="en-GB" altLang="pt-BR" sz="3200" dirty="0" smtClean="0">
-                <a:solidFill>
-                  <a:srgbClr val="000000"/>
-                </a:solidFill>
-                <a:latin typeface="Calibri" panose="020F0502020204030204" pitchFamily="34" charset="0"/>
-              </a:rPr>
-              <a:t>1 </a:t>
-            </a:r>
-            <a:r>
-              <a:rPr lang="en-GB" altLang="pt-BR" sz="3200" dirty="0" smtClean="0">
-                <a:solidFill>
-                  <a:srgbClr val="000000"/>
-                </a:solidFill>
-                <a:latin typeface="Calibri" panose="020F0502020204030204" pitchFamily="34" charset="0"/>
-              </a:rPr>
-              <a:t>– </a:t>
+              <a:t> 1 – </a:t>
             </a:r>
             <a:r>
               <a:rPr lang="en-GB" altLang="pt-BR" sz="3200" dirty="0" err="1" smtClean="0">
@@ -11838,7 +11939,7 @@
   <a:extraClrSchemeLst/>
   <a:extLst>
     <a:ext uri="{05A4C25C-085E-4340-85A3-A5531E510DB2}">
-      <thm15:themeFamily xmlns:thm15="http://schemas.microsoft.com/office/thememl/2012/main" xmlns="" name="Office Theme" id="{62F939B6-93AF-4DB8-9C6B-D6C7DFDC589F}" vid="{4A3C46E8-61CC-4603-A589-7422A47A8E4A}"/>
+      <thm15:themeFamily xmlns="" xmlns:thm15="http://schemas.microsoft.com/office/thememl/2012/main" name="Office Theme" id="{62F939B6-93AF-4DB8-9C6B-D6C7DFDC589F}" vid="{4A3C46E8-61CC-4603-A589-7422A47A8E4A}"/>
     </a:ext>
   </a:extLst>
 </a:theme>
